--- a/Assets/아이템디자인.pptx
+++ b/Assets/아이템디자인.pptx
@@ -6,7 +6,9 @@
   </p:sldMasterIdLst>
   <p:sldIdLst>
     <p:sldId id="256" r:id="rId2"/>
-    <p:sldId id="257" r:id="rId3"/>
+    <p:sldId id="258" r:id="rId3"/>
+    <p:sldId id="259" r:id="rId4"/>
+    <p:sldId id="257" r:id="rId5"/>
   </p:sldIdLst>
   <p:sldSz cx="12192000" cy="6858000"/>
   <p:notesSz cx="6858000" cy="9144000"/>
@@ -105,6 +107,11 @@
       </a:defRPr>
     </a:lvl9pPr>
   </p:defaultTextStyle>
+  <p:extLst>
+    <p:ext uri="{EFAFB233-063F-42B5-8137-9DF3F51BA10A}">
+      <p15:sldGuideLst xmlns:p15="http://schemas.microsoft.com/office/powerpoint/2012/main"/>
+    </p:ext>
+  </p:extLst>
 </p:presentation>
 </file>
 
@@ -255,7 +262,7 @@
           <a:p>
             <a:fld id="{58557D0E-25E1-4161-8F1A-21F3BEB89DED}" type="datetimeFigureOut">
               <a:rPr lang="ko-KR" altLang="en-US" smtClean="0"/>
-              <a:t>2024-03-15</a:t>
+              <a:t>2024-03-16</a:t>
             </a:fld>
             <a:endParaRPr lang="ko-KR" altLang="en-US"/>
           </a:p>
@@ -453,7 +460,7 @@
           <a:p>
             <a:fld id="{58557D0E-25E1-4161-8F1A-21F3BEB89DED}" type="datetimeFigureOut">
               <a:rPr lang="ko-KR" altLang="en-US" smtClean="0"/>
-              <a:t>2024-03-15</a:t>
+              <a:t>2024-03-16</a:t>
             </a:fld>
             <a:endParaRPr lang="ko-KR" altLang="en-US"/>
           </a:p>
@@ -661,7 +668,7 @@
           <a:p>
             <a:fld id="{58557D0E-25E1-4161-8F1A-21F3BEB89DED}" type="datetimeFigureOut">
               <a:rPr lang="ko-KR" altLang="en-US" smtClean="0"/>
-              <a:t>2024-03-15</a:t>
+              <a:t>2024-03-16</a:t>
             </a:fld>
             <a:endParaRPr lang="ko-KR" altLang="en-US"/>
           </a:p>
@@ -859,7 +866,7 @@
           <a:p>
             <a:fld id="{58557D0E-25E1-4161-8F1A-21F3BEB89DED}" type="datetimeFigureOut">
               <a:rPr lang="ko-KR" altLang="en-US" smtClean="0"/>
-              <a:t>2024-03-15</a:t>
+              <a:t>2024-03-16</a:t>
             </a:fld>
             <a:endParaRPr lang="ko-KR" altLang="en-US"/>
           </a:p>
@@ -1134,7 +1141,7 @@
           <a:p>
             <a:fld id="{58557D0E-25E1-4161-8F1A-21F3BEB89DED}" type="datetimeFigureOut">
               <a:rPr lang="ko-KR" altLang="en-US" smtClean="0"/>
-              <a:t>2024-03-15</a:t>
+              <a:t>2024-03-16</a:t>
             </a:fld>
             <a:endParaRPr lang="ko-KR" altLang="en-US"/>
           </a:p>
@@ -1399,7 +1406,7 @@
           <a:p>
             <a:fld id="{58557D0E-25E1-4161-8F1A-21F3BEB89DED}" type="datetimeFigureOut">
               <a:rPr lang="ko-KR" altLang="en-US" smtClean="0"/>
-              <a:t>2024-03-15</a:t>
+              <a:t>2024-03-16</a:t>
             </a:fld>
             <a:endParaRPr lang="ko-KR" altLang="en-US"/>
           </a:p>
@@ -1811,7 +1818,7 @@
           <a:p>
             <a:fld id="{58557D0E-25E1-4161-8F1A-21F3BEB89DED}" type="datetimeFigureOut">
               <a:rPr lang="ko-KR" altLang="en-US" smtClean="0"/>
-              <a:t>2024-03-15</a:t>
+              <a:t>2024-03-16</a:t>
             </a:fld>
             <a:endParaRPr lang="ko-KR" altLang="en-US"/>
           </a:p>
@@ -1952,7 +1959,7 @@
           <a:p>
             <a:fld id="{58557D0E-25E1-4161-8F1A-21F3BEB89DED}" type="datetimeFigureOut">
               <a:rPr lang="ko-KR" altLang="en-US" smtClean="0"/>
-              <a:t>2024-03-15</a:t>
+              <a:t>2024-03-16</a:t>
             </a:fld>
             <a:endParaRPr lang="ko-KR" altLang="en-US"/>
           </a:p>
@@ -2065,7 +2072,7 @@
           <a:p>
             <a:fld id="{58557D0E-25E1-4161-8F1A-21F3BEB89DED}" type="datetimeFigureOut">
               <a:rPr lang="ko-KR" altLang="en-US" smtClean="0"/>
-              <a:t>2024-03-15</a:t>
+              <a:t>2024-03-16</a:t>
             </a:fld>
             <a:endParaRPr lang="ko-KR" altLang="en-US"/>
           </a:p>
@@ -2376,7 +2383,7 @@
           <a:p>
             <a:fld id="{58557D0E-25E1-4161-8F1A-21F3BEB89DED}" type="datetimeFigureOut">
               <a:rPr lang="ko-KR" altLang="en-US" smtClean="0"/>
-              <a:t>2024-03-15</a:t>
+              <a:t>2024-03-16</a:t>
             </a:fld>
             <a:endParaRPr lang="ko-KR" altLang="en-US"/>
           </a:p>
@@ -2664,7 +2671,7 @@
           <a:p>
             <a:fld id="{58557D0E-25E1-4161-8F1A-21F3BEB89DED}" type="datetimeFigureOut">
               <a:rPr lang="ko-KR" altLang="en-US" smtClean="0"/>
-              <a:t>2024-03-15</a:t>
+              <a:t>2024-03-16</a:t>
             </a:fld>
             <a:endParaRPr lang="ko-KR" altLang="en-US"/>
           </a:p>
@@ -2905,7 +2912,7 @@
           <a:p>
             <a:fld id="{58557D0E-25E1-4161-8F1A-21F3BEB89DED}" type="datetimeFigureOut">
               <a:rPr lang="ko-KR" altLang="en-US" smtClean="0"/>
-              <a:t>2024-03-15</a:t>
+              <a:t>2024-03-16</a:t>
             </a:fld>
             <a:endParaRPr lang="ko-KR" altLang="en-US"/>
           </a:p>
@@ -3970,6 +3977,450 @@
 </file>
 
 <file path=ppt/slides/slide2.xml><?xml version="1.0" encoding="utf-8"?>
+<p:sld xmlns:a="http://schemas.openxmlformats.org/drawingml/2006/main" xmlns:r="http://schemas.openxmlformats.org/officeDocument/2006/relationships" xmlns:p="http://schemas.openxmlformats.org/presentationml/2006/main">
+  <p:cSld>
+    <p:spTree>
+      <p:nvGrpSpPr>
+        <p:cNvPr id="1" name=""/>
+        <p:cNvGrpSpPr/>
+        <p:nvPr/>
+      </p:nvGrpSpPr>
+      <p:grpSpPr>
+        <a:xfrm>
+          <a:off x="0" y="0"/>
+          <a:ext cx="0" cy="0"/>
+          <a:chOff x="0" y="0"/>
+          <a:chExt cx="0" cy="0"/>
+        </a:xfrm>
+      </p:grpSpPr>
+      <p:pic>
+        <p:nvPicPr>
+          <p:cNvPr id="1026" name="Picture 2" descr="그렇게 욕 먹더니.. 현대차 계기판, 차주들 원성에 결국 이렇게 됐죠 - 네이트뷰">
+            <a:extLst>
+              <a:ext uri="{FF2B5EF4-FFF2-40B4-BE49-F238E27FC236}">
+                <a16:creationId xmlns:a16="http://schemas.microsoft.com/office/drawing/2014/main" id="{AC4A56B7-93EC-F435-D047-1378B29DFDBC}"/>
+              </a:ext>
+            </a:extLst>
+          </p:cNvPr>
+          <p:cNvPicPr>
+            <a:picLocks noChangeAspect="1" noChangeArrowheads="1"/>
+          </p:cNvPicPr>
+          <p:nvPr/>
+        </p:nvPicPr>
+        <p:blipFill>
+          <a:blip r:embed="rId2">
+            <a:extLst>
+              <a:ext uri="{28A0092B-C50C-407E-A947-70E740481C1C}">
+                <a14:useLocalDpi xmlns:a14="http://schemas.microsoft.com/office/drawing/2010/main" val="0"/>
+              </a:ext>
+            </a:extLst>
+          </a:blip>
+          <a:srcRect/>
+          <a:stretch>
+            <a:fillRect/>
+          </a:stretch>
+        </p:blipFill>
+        <p:spPr bwMode="auto">
+          <a:xfrm>
+            <a:off x="-68580" y="289560"/>
+            <a:ext cx="10287000" cy="6858000"/>
+          </a:xfrm>
+          <a:prstGeom prst="rect">
+            <a:avLst/>
+          </a:prstGeom>
+          <a:noFill/>
+          <a:extLst>
+            <a:ext uri="{909E8E84-426E-40DD-AFC4-6F175D3DCCD1}">
+              <a14:hiddenFill xmlns:a14="http://schemas.microsoft.com/office/drawing/2010/main">
+                <a:solidFill>
+                  <a:srgbClr val="FFFFFF"/>
+                </a:solidFill>
+              </a14:hiddenFill>
+            </a:ext>
+          </a:extLst>
+        </p:spPr>
+      </p:pic>
+      <p:grpSp>
+        <p:nvGrpSpPr>
+          <p:cNvPr id="17" name="그룹 16">
+            <a:extLst>
+              <a:ext uri="{FF2B5EF4-FFF2-40B4-BE49-F238E27FC236}">
+                <a16:creationId xmlns:a16="http://schemas.microsoft.com/office/drawing/2014/main" id="{1D5126A5-A14B-2DDC-215F-52349F1F4DC0}"/>
+              </a:ext>
+            </a:extLst>
+          </p:cNvPr>
+          <p:cNvGrpSpPr/>
+          <p:nvPr/>
+        </p:nvGrpSpPr>
+        <p:grpSpPr>
+          <a:xfrm>
+            <a:off x="11802644" y="907141"/>
+            <a:ext cx="3126436" cy="3128211"/>
+            <a:chOff x="3079028" y="2895600"/>
+            <a:chExt cx="1523135" cy="1524000"/>
+          </a:xfrm>
+        </p:grpSpPr>
+        <p:sp>
+          <p:nvSpPr>
+            <p:cNvPr id="4" name="타원 3">
+              <a:extLst>
+                <a:ext uri="{FF2B5EF4-FFF2-40B4-BE49-F238E27FC236}">
+                  <a16:creationId xmlns:a16="http://schemas.microsoft.com/office/drawing/2014/main" id="{10A04EBC-E197-55F8-FDFB-1CD0CFF4642C}"/>
+                </a:ext>
+              </a:extLst>
+            </p:cNvPr>
+            <p:cNvSpPr/>
+            <p:nvPr/>
+          </p:nvSpPr>
+          <p:spPr>
+            <a:xfrm>
+              <a:off x="3106103" y="2895600"/>
+              <a:ext cx="1496060" cy="1524000"/>
+            </a:xfrm>
+            <a:prstGeom prst="ellipse">
+              <a:avLst/>
+            </a:prstGeom>
+            <a:solidFill>
+              <a:srgbClr val="242B33"/>
+            </a:solidFill>
+            <a:ln>
+              <a:noFill/>
+            </a:ln>
+          </p:spPr>
+          <p:style>
+            <a:lnRef idx="2">
+              <a:schemeClr val="accent1">
+                <a:shade val="15000"/>
+              </a:schemeClr>
+            </a:lnRef>
+            <a:fillRef idx="1">
+              <a:schemeClr val="accent1"/>
+            </a:fillRef>
+            <a:effectRef idx="0">
+              <a:schemeClr val="accent1"/>
+            </a:effectRef>
+            <a:fontRef idx="minor">
+              <a:schemeClr val="lt1"/>
+            </a:fontRef>
+          </p:style>
+          <p:txBody>
+            <a:bodyPr rtlCol="0" anchor="ctr"/>
+            <a:lstStyle/>
+            <a:p>
+              <a:pPr algn="ctr"/>
+              <a:endParaRPr lang="ko-KR" altLang="en-US" dirty="0"/>
+            </a:p>
+          </p:txBody>
+        </p:sp>
+        <p:sp>
+          <p:nvSpPr>
+            <p:cNvPr id="16" name="막힌 원호 15">
+              <a:extLst>
+                <a:ext uri="{FF2B5EF4-FFF2-40B4-BE49-F238E27FC236}">
+                  <a16:creationId xmlns:a16="http://schemas.microsoft.com/office/drawing/2014/main" id="{D7F0EAED-FEB4-BC3F-E89D-A136257A718E}"/>
+                </a:ext>
+              </a:extLst>
+            </p:cNvPr>
+            <p:cNvSpPr/>
+            <p:nvPr/>
+          </p:nvSpPr>
+          <p:spPr>
+            <a:xfrm rot="776712">
+              <a:off x="3079028" y="2895638"/>
+              <a:ext cx="1522249" cy="1520789"/>
+            </a:xfrm>
+            <a:prstGeom prst="blockArc">
+              <a:avLst>
+                <a:gd name="adj1" fmla="val 8677832"/>
+                <a:gd name="adj2" fmla="val 571640"/>
+                <a:gd name="adj3" fmla="val 7170"/>
+              </a:avLst>
+            </a:prstGeom>
+            <a:solidFill>
+              <a:schemeClr val="accent6">
+                <a:lumMod val="40000"/>
+                <a:lumOff val="60000"/>
+              </a:schemeClr>
+            </a:solidFill>
+            <a:ln>
+              <a:noFill/>
+            </a:ln>
+          </p:spPr>
+          <p:style>
+            <a:lnRef idx="2">
+              <a:schemeClr val="accent1">
+                <a:shade val="15000"/>
+              </a:schemeClr>
+            </a:lnRef>
+            <a:fillRef idx="1">
+              <a:schemeClr val="accent1"/>
+            </a:fillRef>
+            <a:effectRef idx="0">
+              <a:schemeClr val="accent1"/>
+            </a:effectRef>
+            <a:fontRef idx="minor">
+              <a:schemeClr val="lt1"/>
+            </a:fontRef>
+          </p:style>
+          <p:txBody>
+            <a:bodyPr rtlCol="0" anchor="ctr"/>
+            <a:lstStyle/>
+            <a:p>
+              <a:pPr algn="ctr"/>
+              <a:endParaRPr lang="ko-KR" altLang="en-US">
+                <a:solidFill>
+                  <a:schemeClr val="tx1"/>
+                </a:solidFill>
+              </a:endParaRPr>
+            </a:p>
+          </p:txBody>
+        </p:sp>
+      </p:grpSp>
+    </p:spTree>
+    <p:extLst>
+      <p:ext uri="{BB962C8B-B14F-4D97-AF65-F5344CB8AC3E}">
+        <p14:creationId xmlns:p14="http://schemas.microsoft.com/office/powerpoint/2010/main" val="3022703932"/>
+      </p:ext>
+    </p:extLst>
+  </p:cSld>
+  <p:clrMapOvr>
+    <a:masterClrMapping/>
+  </p:clrMapOvr>
+</p:sld>
+</file>
+
+<file path=ppt/slides/slide3.xml><?xml version="1.0" encoding="utf-8"?>
+<p:sld xmlns:a="http://schemas.openxmlformats.org/drawingml/2006/main" xmlns:r="http://schemas.openxmlformats.org/officeDocument/2006/relationships" xmlns:p="http://schemas.openxmlformats.org/presentationml/2006/main">
+  <p:cSld>
+    <p:spTree>
+      <p:nvGrpSpPr>
+        <p:cNvPr id="1" name=""/>
+        <p:cNvGrpSpPr/>
+        <p:nvPr/>
+      </p:nvGrpSpPr>
+      <p:grpSpPr>
+        <a:xfrm>
+          <a:off x="0" y="0"/>
+          <a:ext cx="0" cy="0"/>
+          <a:chOff x="0" y="0"/>
+          <a:chExt cx="0" cy="0"/>
+        </a:xfrm>
+      </p:grpSpPr>
+      <p:grpSp>
+        <p:nvGrpSpPr>
+          <p:cNvPr id="4" name="그룹 3">
+            <a:extLst>
+              <a:ext uri="{FF2B5EF4-FFF2-40B4-BE49-F238E27FC236}">
+                <a16:creationId xmlns:a16="http://schemas.microsoft.com/office/drawing/2014/main" id="{3D971A4B-EA23-213E-874E-31E99FBC1980}"/>
+              </a:ext>
+            </a:extLst>
+          </p:cNvPr>
+          <p:cNvGrpSpPr/>
+          <p:nvPr/>
+        </p:nvGrpSpPr>
+        <p:grpSpPr>
+          <a:xfrm>
+            <a:off x="1801394" y="653218"/>
+            <a:ext cx="5209006" cy="5288968"/>
+            <a:chOff x="167961" y="2957510"/>
+            <a:chExt cx="1522249" cy="1545617"/>
+          </a:xfrm>
+        </p:grpSpPr>
+        <p:sp>
+          <p:nvSpPr>
+            <p:cNvPr id="5" name="타원 4">
+              <a:extLst>
+                <a:ext uri="{FF2B5EF4-FFF2-40B4-BE49-F238E27FC236}">
+                  <a16:creationId xmlns:a16="http://schemas.microsoft.com/office/drawing/2014/main" id="{DC08ACC7-9709-346B-6185-6DE1210AAF49}"/>
+                </a:ext>
+              </a:extLst>
+            </p:cNvPr>
+            <p:cNvSpPr/>
+            <p:nvPr/>
+          </p:nvSpPr>
+          <p:spPr>
+            <a:xfrm>
+              <a:off x="181055" y="2979127"/>
+              <a:ext cx="1496060" cy="1524000"/>
+            </a:xfrm>
+            <a:prstGeom prst="ellipse">
+              <a:avLst/>
+            </a:prstGeom>
+            <a:solidFill>
+              <a:srgbClr val="242B33"/>
+            </a:solidFill>
+            <a:ln>
+              <a:noFill/>
+            </a:ln>
+          </p:spPr>
+          <p:style>
+            <a:lnRef idx="2">
+              <a:schemeClr val="accent1">
+                <a:shade val="15000"/>
+              </a:schemeClr>
+            </a:lnRef>
+            <a:fillRef idx="1">
+              <a:schemeClr val="accent1"/>
+            </a:fillRef>
+            <a:effectRef idx="0">
+              <a:schemeClr val="accent1"/>
+            </a:effectRef>
+            <a:fontRef idx="minor">
+              <a:schemeClr val="lt1"/>
+            </a:fontRef>
+          </p:style>
+          <p:txBody>
+            <a:bodyPr rtlCol="0" anchor="ctr"/>
+            <a:lstStyle/>
+            <a:p>
+              <a:pPr algn="ctr"/>
+              <a:endParaRPr lang="ko-KR" altLang="en-US" dirty="0"/>
+            </a:p>
+          </p:txBody>
+        </p:sp>
+        <p:sp>
+          <p:nvSpPr>
+            <p:cNvPr id="6" name="막힌 원호 5">
+              <a:extLst>
+                <a:ext uri="{FF2B5EF4-FFF2-40B4-BE49-F238E27FC236}">
+                  <a16:creationId xmlns:a16="http://schemas.microsoft.com/office/drawing/2014/main" id="{515C3733-0036-3296-CF84-8A145A699851}"/>
+                </a:ext>
+              </a:extLst>
+            </p:cNvPr>
+            <p:cNvSpPr/>
+            <p:nvPr/>
+          </p:nvSpPr>
+          <p:spPr>
+            <a:xfrm rot="1561858">
+              <a:off x="167961" y="2957510"/>
+              <a:ext cx="1522249" cy="1520789"/>
+            </a:xfrm>
+            <a:prstGeom prst="blockArc">
+              <a:avLst>
+                <a:gd name="adj1" fmla="val 7238092"/>
+                <a:gd name="adj2" fmla="val 591878"/>
+                <a:gd name="adj3" fmla="val 11150"/>
+              </a:avLst>
+            </a:prstGeom>
+            <a:pattFill prst="wdDnDiag">
+              <a:fgClr>
+                <a:schemeClr val="accent6">
+                  <a:lumMod val="40000"/>
+                  <a:lumOff val="60000"/>
+                </a:schemeClr>
+              </a:fgClr>
+              <a:bgClr>
+                <a:srgbClr val="242B33"/>
+              </a:bgClr>
+            </a:pattFill>
+            <a:ln>
+              <a:noFill/>
+            </a:ln>
+          </p:spPr>
+          <p:style>
+            <a:lnRef idx="2">
+              <a:schemeClr val="accent1">
+                <a:shade val="15000"/>
+              </a:schemeClr>
+            </a:lnRef>
+            <a:fillRef idx="1">
+              <a:schemeClr val="accent1"/>
+            </a:fillRef>
+            <a:effectRef idx="0">
+              <a:schemeClr val="accent1"/>
+            </a:effectRef>
+            <a:fontRef idx="minor">
+              <a:schemeClr val="lt1"/>
+            </a:fontRef>
+          </p:style>
+          <p:txBody>
+            <a:bodyPr rtlCol="0" anchor="ctr"/>
+            <a:lstStyle/>
+            <a:p>
+              <a:pPr algn="ctr"/>
+              <a:endParaRPr lang="ko-KR" altLang="en-US" dirty="0">
+                <a:solidFill>
+                  <a:schemeClr val="tx1"/>
+                </a:solidFill>
+              </a:endParaRPr>
+            </a:p>
+          </p:txBody>
+        </p:sp>
+      </p:grpSp>
+      <p:sp>
+        <p:nvSpPr>
+          <p:cNvPr id="12" name="막힌 원호 11">
+            <a:extLst>
+              <a:ext uri="{FF2B5EF4-FFF2-40B4-BE49-F238E27FC236}">
+                <a16:creationId xmlns:a16="http://schemas.microsoft.com/office/drawing/2014/main" id="{958EC7DE-F34C-5F83-ED34-29AA74DCBAC8}"/>
+              </a:ext>
+            </a:extLst>
+          </p:cNvPr>
+          <p:cNvSpPr/>
+          <p:nvPr/>
+        </p:nvSpPr>
+        <p:spPr>
+          <a:xfrm rot="1561858">
+            <a:off x="7741296" y="119817"/>
+            <a:ext cx="5209006" cy="5204009"/>
+          </a:xfrm>
+          <a:prstGeom prst="blockArc">
+            <a:avLst>
+              <a:gd name="adj1" fmla="val 7238092"/>
+              <a:gd name="adj2" fmla="val 591878"/>
+              <a:gd name="adj3" fmla="val 11150"/>
+            </a:avLst>
+          </a:prstGeom>
+          <a:solidFill>
+            <a:srgbClr val="C00000"/>
+          </a:solidFill>
+          <a:ln>
+            <a:noFill/>
+          </a:ln>
+        </p:spPr>
+        <p:style>
+          <a:lnRef idx="2">
+            <a:schemeClr val="accent1">
+              <a:shade val="15000"/>
+            </a:schemeClr>
+          </a:lnRef>
+          <a:fillRef idx="1">
+            <a:schemeClr val="accent1"/>
+          </a:fillRef>
+          <a:effectRef idx="0">
+            <a:schemeClr val="accent1"/>
+          </a:effectRef>
+          <a:fontRef idx="minor">
+            <a:schemeClr val="lt1"/>
+          </a:fontRef>
+        </p:style>
+        <p:txBody>
+          <a:bodyPr rtlCol="0" anchor="ctr"/>
+          <a:lstStyle/>
+          <a:p>
+            <a:pPr algn="ctr"/>
+            <a:endParaRPr lang="ko-KR" altLang="en-US" dirty="0">
+              <a:solidFill>
+                <a:schemeClr val="tx1"/>
+              </a:solidFill>
+            </a:endParaRPr>
+          </a:p>
+        </p:txBody>
+      </p:sp>
+    </p:spTree>
+    <p:extLst>
+      <p:ext uri="{BB962C8B-B14F-4D97-AF65-F5344CB8AC3E}">
+        <p14:creationId xmlns:p14="http://schemas.microsoft.com/office/powerpoint/2010/main" val="784331730"/>
+      </p:ext>
+    </p:extLst>
+  </p:cSld>
+  <p:clrMapOvr>
+    <a:masterClrMapping/>
+  </p:clrMapOvr>
+</p:sld>
+</file>
+
+<file path=ppt/slides/slide4.xml><?xml version="1.0" encoding="utf-8"?>
 <p:sld xmlns:a="http://schemas.openxmlformats.org/drawingml/2006/main" xmlns:r="http://schemas.openxmlformats.org/officeDocument/2006/relationships" xmlns:p="http://schemas.openxmlformats.org/presentationml/2006/main">
   <p:cSld>
     <p:spTree>

--- a/Assets/아이템디자인.pptx
+++ b/Assets/아이템디자인.pptx
@@ -8,7 +8,11 @@
     <p:sldId id="256" r:id="rId2"/>
     <p:sldId id="258" r:id="rId3"/>
     <p:sldId id="259" r:id="rId4"/>
-    <p:sldId id="257" r:id="rId5"/>
+    <p:sldId id="263" r:id="rId5"/>
+    <p:sldId id="257" r:id="rId6"/>
+    <p:sldId id="260" r:id="rId7"/>
+    <p:sldId id="261" r:id="rId8"/>
+    <p:sldId id="262" r:id="rId9"/>
   </p:sldIdLst>
   <p:sldSz cx="12192000" cy="6858000"/>
   <p:notesSz cx="6858000" cy="9144000"/>
@@ -262,7 +266,7 @@
           <a:p>
             <a:fld id="{58557D0E-25E1-4161-8F1A-21F3BEB89DED}" type="datetimeFigureOut">
               <a:rPr lang="ko-KR" altLang="en-US" smtClean="0"/>
-              <a:t>2024-03-16</a:t>
+              <a:t>2024-03-21</a:t>
             </a:fld>
             <a:endParaRPr lang="ko-KR" altLang="en-US"/>
           </a:p>
@@ -460,7 +464,7 @@
           <a:p>
             <a:fld id="{58557D0E-25E1-4161-8F1A-21F3BEB89DED}" type="datetimeFigureOut">
               <a:rPr lang="ko-KR" altLang="en-US" smtClean="0"/>
-              <a:t>2024-03-16</a:t>
+              <a:t>2024-03-21</a:t>
             </a:fld>
             <a:endParaRPr lang="ko-KR" altLang="en-US"/>
           </a:p>
@@ -668,7 +672,7 @@
           <a:p>
             <a:fld id="{58557D0E-25E1-4161-8F1A-21F3BEB89DED}" type="datetimeFigureOut">
               <a:rPr lang="ko-KR" altLang="en-US" smtClean="0"/>
-              <a:t>2024-03-16</a:t>
+              <a:t>2024-03-21</a:t>
             </a:fld>
             <a:endParaRPr lang="ko-KR" altLang="en-US"/>
           </a:p>
@@ -866,7 +870,7 @@
           <a:p>
             <a:fld id="{58557D0E-25E1-4161-8F1A-21F3BEB89DED}" type="datetimeFigureOut">
               <a:rPr lang="ko-KR" altLang="en-US" smtClean="0"/>
-              <a:t>2024-03-16</a:t>
+              <a:t>2024-03-21</a:t>
             </a:fld>
             <a:endParaRPr lang="ko-KR" altLang="en-US"/>
           </a:p>
@@ -1141,7 +1145,7 @@
           <a:p>
             <a:fld id="{58557D0E-25E1-4161-8F1A-21F3BEB89DED}" type="datetimeFigureOut">
               <a:rPr lang="ko-KR" altLang="en-US" smtClean="0"/>
-              <a:t>2024-03-16</a:t>
+              <a:t>2024-03-21</a:t>
             </a:fld>
             <a:endParaRPr lang="ko-KR" altLang="en-US"/>
           </a:p>
@@ -1406,7 +1410,7 @@
           <a:p>
             <a:fld id="{58557D0E-25E1-4161-8F1A-21F3BEB89DED}" type="datetimeFigureOut">
               <a:rPr lang="ko-KR" altLang="en-US" smtClean="0"/>
-              <a:t>2024-03-16</a:t>
+              <a:t>2024-03-21</a:t>
             </a:fld>
             <a:endParaRPr lang="ko-KR" altLang="en-US"/>
           </a:p>
@@ -1818,7 +1822,7 @@
           <a:p>
             <a:fld id="{58557D0E-25E1-4161-8F1A-21F3BEB89DED}" type="datetimeFigureOut">
               <a:rPr lang="ko-KR" altLang="en-US" smtClean="0"/>
-              <a:t>2024-03-16</a:t>
+              <a:t>2024-03-21</a:t>
             </a:fld>
             <a:endParaRPr lang="ko-KR" altLang="en-US"/>
           </a:p>
@@ -1959,7 +1963,7 @@
           <a:p>
             <a:fld id="{58557D0E-25E1-4161-8F1A-21F3BEB89DED}" type="datetimeFigureOut">
               <a:rPr lang="ko-KR" altLang="en-US" smtClean="0"/>
-              <a:t>2024-03-16</a:t>
+              <a:t>2024-03-21</a:t>
             </a:fld>
             <a:endParaRPr lang="ko-KR" altLang="en-US"/>
           </a:p>
@@ -2072,7 +2076,7 @@
           <a:p>
             <a:fld id="{58557D0E-25E1-4161-8F1A-21F3BEB89DED}" type="datetimeFigureOut">
               <a:rPr lang="ko-KR" altLang="en-US" smtClean="0"/>
-              <a:t>2024-03-16</a:t>
+              <a:t>2024-03-21</a:t>
             </a:fld>
             <a:endParaRPr lang="ko-KR" altLang="en-US"/>
           </a:p>
@@ -2383,7 +2387,7 @@
           <a:p>
             <a:fld id="{58557D0E-25E1-4161-8F1A-21F3BEB89DED}" type="datetimeFigureOut">
               <a:rPr lang="ko-KR" altLang="en-US" smtClean="0"/>
-              <a:t>2024-03-16</a:t>
+              <a:t>2024-03-21</a:t>
             </a:fld>
             <a:endParaRPr lang="ko-KR" altLang="en-US"/>
           </a:p>
@@ -2671,7 +2675,7 @@
           <a:p>
             <a:fld id="{58557D0E-25E1-4161-8F1A-21F3BEB89DED}" type="datetimeFigureOut">
               <a:rPr lang="ko-KR" altLang="en-US" smtClean="0"/>
-              <a:t>2024-03-16</a:t>
+              <a:t>2024-03-21</a:t>
             </a:fld>
             <a:endParaRPr lang="ko-KR" altLang="en-US"/>
           </a:p>
@@ -2912,7 +2916,7 @@
           <a:p>
             <a:fld id="{58557D0E-25E1-4161-8F1A-21F3BEB89DED}" type="datetimeFigureOut">
               <a:rPr lang="ko-KR" altLang="en-US" smtClean="0"/>
-              <a:t>2024-03-16</a:t>
+              <a:t>2024-03-21</a:t>
             </a:fld>
             <a:endParaRPr lang="ko-KR" altLang="en-US"/>
           </a:p>
@@ -3828,7 +3832,7 @@
         </p:blipFill>
         <p:spPr bwMode="auto">
           <a:xfrm>
-            <a:off x="-5572855" y="-1336595"/>
+            <a:off x="-390367" y="-1540797"/>
             <a:ext cx="7914710" cy="7658100"/>
           </a:xfrm>
           <a:prstGeom prst="rect">
@@ -4361,7 +4365,7 @@
         </p:nvSpPr>
         <p:spPr>
           <a:xfrm rot="1561858">
-            <a:off x="7741296" y="119817"/>
+            <a:off x="7065726" y="561779"/>
             <a:ext cx="5209006" cy="5204009"/>
           </a:xfrm>
           <a:prstGeom prst="blockArc">
@@ -4439,6 +4443,298 @@
       </p:grpSpPr>
       <p:pic>
         <p:nvPicPr>
+          <p:cNvPr id="1030" name="Picture 6" descr="무료로 다운로드 가능한 사막 벡터 &amp; 일러스트 | Freepik">
+            <a:extLst>
+              <a:ext uri="{FF2B5EF4-FFF2-40B4-BE49-F238E27FC236}">
+                <a16:creationId xmlns:a16="http://schemas.microsoft.com/office/drawing/2014/main" id="{AE140C80-2050-C6A9-C192-0EE039376105}"/>
+              </a:ext>
+            </a:extLst>
+          </p:cNvPr>
+          <p:cNvPicPr>
+            <a:picLocks noChangeAspect="1" noChangeArrowheads="1"/>
+          </p:cNvPicPr>
+          <p:nvPr/>
+        </p:nvPicPr>
+        <p:blipFill>
+          <a:blip r:embed="rId2">
+            <a:duotone>
+              <a:schemeClr val="accent1">
+                <a:shade val="45000"/>
+                <a:satMod val="135000"/>
+              </a:schemeClr>
+              <a:prstClr val="white"/>
+            </a:duotone>
+            <a:extLst>
+              <a:ext uri="{BEBA8EAE-BF5A-486C-A8C5-ECC9F3942E4B}">
+                <a14:imgProps xmlns:a14="http://schemas.microsoft.com/office/drawing/2010/main">
+                  <a14:imgLayer r:embed="rId3">
+                    <a14:imgEffect>
+                      <a14:artisticPaintStrokes/>
+                    </a14:imgEffect>
+                  </a14:imgLayer>
+                </a14:imgProps>
+              </a:ext>
+              <a:ext uri="{28A0092B-C50C-407E-A947-70E740481C1C}">
+                <a14:useLocalDpi xmlns:a14="http://schemas.microsoft.com/office/drawing/2010/main" val="0"/>
+              </a:ext>
+            </a:extLst>
+          </a:blip>
+          <a:srcRect/>
+          <a:stretch>
+            <a:fillRect/>
+          </a:stretch>
+        </p:blipFill>
+        <p:spPr bwMode="auto">
+          <a:xfrm>
+            <a:off x="1534071" y="286975"/>
+            <a:ext cx="5962650" cy="3971925"/>
+          </a:xfrm>
+          <a:prstGeom prst="roundRect">
+            <a:avLst>
+              <a:gd name="adj" fmla="val 4167"/>
+            </a:avLst>
+          </a:prstGeom>
+          <a:solidFill>
+            <a:srgbClr val="FFFFFF"/>
+          </a:solidFill>
+          <a:ln w="76200" cap="sq">
+            <a:solidFill>
+              <a:schemeClr val="accent4">
+                <a:lumMod val="50000"/>
+              </a:schemeClr>
+            </a:solidFill>
+            <a:miter lim="800000"/>
+          </a:ln>
+          <a:effectLst>
+            <a:reflection blurRad="12700" stA="28000" endPos="28000" dist="5000" dir="5400000" sy="-100000" algn="bl" rotWithShape="0"/>
+          </a:effectLst>
+          <a:scene3d>
+            <a:camera prst="orthographicFront"/>
+            <a:lightRig rig="threePt" dir="t">
+              <a:rot lat="0" lon="0" rev="2700000"/>
+            </a:lightRig>
+          </a:scene3d>
+          <a:sp3d>
+            <a:bevelT h="38100"/>
+            <a:contourClr>
+              <a:srgbClr val="C0C0C0"/>
+            </a:contourClr>
+          </a:sp3d>
+          <a:extLst>
+            <a:ext uri="{909E8E84-426E-40DD-AFC4-6F175D3DCCD1}">
+              <a14:hiddenFill xmlns:a14="http://schemas.microsoft.com/office/drawing/2010/main">
+                <a:solidFill>
+                  <a:srgbClr val="FFFFFF"/>
+                </a:solidFill>
+              </a14:hiddenFill>
+            </a:ext>
+          </a:extLst>
+        </p:spPr>
+      </p:pic>
+      <p:pic>
+        <p:nvPicPr>
+          <p:cNvPr id="1032" name="Picture 8" descr="산 일러스트 이미지 - Freepik에서 무료 다운로드">
+            <a:extLst>
+              <a:ext uri="{FF2B5EF4-FFF2-40B4-BE49-F238E27FC236}">
+                <a16:creationId xmlns:a16="http://schemas.microsoft.com/office/drawing/2014/main" id="{03D9F727-C942-C2C4-BCC7-A81C13489F1A}"/>
+              </a:ext>
+            </a:extLst>
+          </p:cNvPr>
+          <p:cNvPicPr>
+            <a:picLocks noChangeAspect="1" noChangeArrowheads="1"/>
+          </p:cNvPicPr>
+          <p:nvPr/>
+        </p:nvPicPr>
+        <p:blipFill>
+          <a:blip r:embed="rId4">
+            <a:duotone>
+              <a:prstClr val="black"/>
+              <a:schemeClr val="accent6">
+                <a:tint val="45000"/>
+                <a:satMod val="400000"/>
+              </a:schemeClr>
+            </a:duotone>
+            <a:extLst>
+              <a:ext uri="{BEBA8EAE-BF5A-486C-A8C5-ECC9F3942E4B}">
+                <a14:imgProps xmlns:a14="http://schemas.microsoft.com/office/drawing/2010/main">
+                  <a14:imgLayer r:embed="rId5">
+                    <a14:imgEffect>
+                      <a14:artisticGlowEdges/>
+                    </a14:imgEffect>
+                  </a14:imgLayer>
+                </a14:imgProps>
+              </a:ext>
+              <a:ext uri="{28A0092B-C50C-407E-A947-70E740481C1C}">
+                <a14:useLocalDpi xmlns:a14="http://schemas.microsoft.com/office/drawing/2010/main" val="0"/>
+              </a:ext>
+            </a:extLst>
+          </a:blip>
+          <a:srcRect/>
+          <a:stretch>
+            <a:fillRect/>
+          </a:stretch>
+        </p:blipFill>
+        <p:spPr bwMode="auto">
+          <a:xfrm>
+            <a:off x="7722325" y="2572973"/>
+            <a:ext cx="5962650" cy="3971925"/>
+          </a:xfrm>
+          <a:prstGeom prst="roundRect">
+            <a:avLst>
+              <a:gd name="adj" fmla="val 4167"/>
+            </a:avLst>
+          </a:prstGeom>
+          <a:solidFill>
+            <a:srgbClr val="FFFFFF"/>
+          </a:solidFill>
+          <a:ln w="76200" cap="sq">
+            <a:solidFill>
+              <a:schemeClr val="accent6">
+                <a:lumMod val="75000"/>
+              </a:schemeClr>
+            </a:solidFill>
+            <a:miter lim="800000"/>
+          </a:ln>
+          <a:effectLst>
+            <a:reflection blurRad="12700" stA="28000" endPos="28000" dist="5000" dir="5400000" sy="-100000" algn="bl" rotWithShape="0"/>
+          </a:effectLst>
+          <a:scene3d>
+            <a:camera prst="orthographicFront"/>
+            <a:lightRig rig="threePt" dir="t">
+              <a:rot lat="0" lon="0" rev="2700000"/>
+            </a:lightRig>
+          </a:scene3d>
+          <a:sp3d>
+            <a:bevelT h="38100"/>
+            <a:contourClr>
+              <a:srgbClr val="C0C0C0"/>
+            </a:contourClr>
+          </a:sp3d>
+          <a:extLst>
+            <a:ext uri="{909E8E84-426E-40DD-AFC4-6F175D3DCCD1}">
+              <a14:hiddenFill xmlns:a14="http://schemas.microsoft.com/office/drawing/2010/main">
+                <a:solidFill>
+                  <a:srgbClr val="FFFFFF"/>
+                </a:solidFill>
+              </a14:hiddenFill>
+            </a:ext>
+          </a:extLst>
+        </p:spPr>
+      </p:pic>
+      <p:pic>
+        <p:nvPicPr>
+          <p:cNvPr id="1034" name="Picture 10" descr="42개의 도시일러스트 아이디어 | 도시 일러스트레이션, 일러스트레이션, 도시">
+            <a:extLst>
+              <a:ext uri="{FF2B5EF4-FFF2-40B4-BE49-F238E27FC236}">
+                <a16:creationId xmlns:a16="http://schemas.microsoft.com/office/drawing/2014/main" id="{F58E6BEA-4257-FB44-A80A-31D4971AAEAD}"/>
+              </a:ext>
+            </a:extLst>
+          </p:cNvPr>
+          <p:cNvPicPr>
+            <a:picLocks noChangeAspect="1" noChangeArrowheads="1"/>
+          </p:cNvPicPr>
+          <p:nvPr/>
+        </p:nvPicPr>
+        <p:blipFill>
+          <a:blip r:embed="rId6">
+            <a:grayscl/>
+            <a:extLst>
+              <a:ext uri="{BEBA8EAE-BF5A-486C-A8C5-ECC9F3942E4B}">
+                <a14:imgProps xmlns:a14="http://schemas.microsoft.com/office/drawing/2010/main">
+                  <a14:imgLayer r:embed="rId7">
+                    <a14:imgEffect>
+                      <a14:artisticLineDrawing/>
+                    </a14:imgEffect>
+                  </a14:imgLayer>
+                </a14:imgProps>
+              </a:ext>
+              <a:ext uri="{28A0092B-C50C-407E-A947-70E740481C1C}">
+                <a14:useLocalDpi xmlns:a14="http://schemas.microsoft.com/office/drawing/2010/main" val="0"/>
+              </a:ext>
+            </a:extLst>
+          </a:blip>
+          <a:srcRect/>
+          <a:stretch>
+            <a:fillRect/>
+          </a:stretch>
+        </p:blipFill>
+        <p:spPr bwMode="auto">
+          <a:xfrm>
+            <a:off x="2415814" y="587010"/>
+            <a:ext cx="5962650" cy="3971925"/>
+          </a:xfrm>
+          <a:prstGeom prst="roundRect">
+            <a:avLst>
+              <a:gd name="adj" fmla="val 4167"/>
+            </a:avLst>
+          </a:prstGeom>
+          <a:solidFill>
+            <a:srgbClr val="FFFFFF"/>
+          </a:solidFill>
+          <a:ln w="76200" cap="sq">
+            <a:solidFill>
+              <a:srgbClr val="292929"/>
+            </a:solidFill>
+            <a:miter lim="800000"/>
+          </a:ln>
+          <a:effectLst>
+            <a:reflection blurRad="12700" stA="28000" endPos="28000" dist="5000" dir="5400000" sy="-100000" algn="bl" rotWithShape="0"/>
+          </a:effectLst>
+          <a:scene3d>
+            <a:camera prst="orthographicFront"/>
+            <a:lightRig rig="threePt" dir="t">
+              <a:rot lat="0" lon="0" rev="2700000"/>
+            </a:lightRig>
+          </a:scene3d>
+          <a:sp3d>
+            <a:bevelT h="38100"/>
+            <a:contourClr>
+              <a:srgbClr val="C0C0C0"/>
+            </a:contourClr>
+          </a:sp3d>
+          <a:extLst>
+            <a:ext uri="{909E8E84-426E-40DD-AFC4-6F175D3DCCD1}">
+              <a14:hiddenFill xmlns:a14="http://schemas.microsoft.com/office/drawing/2010/main">
+                <a:solidFill>
+                  <a:srgbClr val="FFFFFF"/>
+                </a:solidFill>
+              </a14:hiddenFill>
+            </a:ext>
+          </a:extLst>
+        </p:spPr>
+      </p:pic>
+    </p:spTree>
+    <p:extLst>
+      <p:ext uri="{BB962C8B-B14F-4D97-AF65-F5344CB8AC3E}">
+        <p14:creationId xmlns:p14="http://schemas.microsoft.com/office/powerpoint/2010/main" val="19521824"/>
+      </p:ext>
+    </p:extLst>
+  </p:cSld>
+  <p:clrMapOvr>
+    <a:masterClrMapping/>
+  </p:clrMapOvr>
+</p:sld>
+</file>
+
+<file path=ppt/slides/slide5.xml><?xml version="1.0" encoding="utf-8"?>
+<p:sld xmlns:a="http://schemas.openxmlformats.org/drawingml/2006/main" xmlns:r="http://schemas.openxmlformats.org/officeDocument/2006/relationships" xmlns:p="http://schemas.openxmlformats.org/presentationml/2006/main">
+  <p:cSld>
+    <p:spTree>
+      <p:nvGrpSpPr>
+        <p:cNvPr id="1" name=""/>
+        <p:cNvGrpSpPr/>
+        <p:nvPr/>
+      </p:nvGrpSpPr>
+      <p:grpSpPr>
+        <a:xfrm>
+          <a:off x="0" y="0"/>
+          <a:ext cx="0" cy="0"/>
+          <a:chOff x="0" y="0"/>
+          <a:chExt cx="0" cy="0"/>
+        </a:xfrm>
+      </p:grpSpPr>
+      <p:pic>
+        <p:nvPicPr>
           <p:cNvPr id="9" name="그림 8">
             <a:extLst>
               <a:ext uri="{FF2B5EF4-FFF2-40B4-BE49-F238E27FC236}">
@@ -4856,6 +5152,846 @@
     <p:extLst>
       <p:ext uri="{BB962C8B-B14F-4D97-AF65-F5344CB8AC3E}">
         <p14:creationId xmlns:p14="http://schemas.microsoft.com/office/powerpoint/2010/main" val="858533128"/>
+      </p:ext>
+    </p:extLst>
+  </p:cSld>
+  <p:clrMapOvr>
+    <a:masterClrMapping/>
+  </p:clrMapOvr>
+</p:sld>
+</file>
+
+<file path=ppt/slides/slide6.xml><?xml version="1.0" encoding="utf-8"?>
+<p:sld xmlns:a="http://schemas.openxmlformats.org/drawingml/2006/main" xmlns:r="http://schemas.openxmlformats.org/officeDocument/2006/relationships" xmlns:p="http://schemas.openxmlformats.org/presentationml/2006/main">
+  <p:cSld>
+    <p:spTree>
+      <p:nvGrpSpPr>
+        <p:cNvPr id="1" name=""/>
+        <p:cNvGrpSpPr/>
+        <p:nvPr/>
+      </p:nvGrpSpPr>
+      <p:grpSpPr>
+        <a:xfrm>
+          <a:off x="0" y="0"/>
+          <a:ext cx="0" cy="0"/>
+          <a:chOff x="0" y="0"/>
+          <a:chExt cx="0" cy="0"/>
+        </a:xfrm>
+      </p:grpSpPr>
+      <p:sp>
+        <p:nvSpPr>
+          <p:cNvPr id="4" name="직사각형 3">
+            <a:extLst>
+              <a:ext uri="{FF2B5EF4-FFF2-40B4-BE49-F238E27FC236}">
+                <a16:creationId xmlns:a16="http://schemas.microsoft.com/office/drawing/2014/main" id="{742EBB43-0A05-C349-CC9F-7BE203AD0732}"/>
+              </a:ext>
+            </a:extLst>
+          </p:cNvPr>
+          <p:cNvSpPr/>
+          <p:nvPr/>
+        </p:nvSpPr>
+        <p:spPr>
+          <a:xfrm>
+            <a:off x="0" y="0"/>
+            <a:ext cx="12192000" cy="6858000"/>
+          </a:xfrm>
+          <a:prstGeom prst="rect">
+            <a:avLst/>
+          </a:prstGeom>
+          <a:ln>
+            <a:noFill/>
+          </a:ln>
+        </p:spPr>
+        <p:style>
+          <a:lnRef idx="2">
+            <a:schemeClr val="dk1">
+              <a:shade val="15000"/>
+            </a:schemeClr>
+          </a:lnRef>
+          <a:fillRef idx="1">
+            <a:schemeClr val="dk1"/>
+          </a:fillRef>
+          <a:effectRef idx="0">
+            <a:schemeClr val="dk1"/>
+          </a:effectRef>
+          <a:fontRef idx="minor">
+            <a:schemeClr val="lt1"/>
+          </a:fontRef>
+        </p:style>
+        <p:txBody>
+          <a:bodyPr rtlCol="0" anchor="ctr"/>
+          <a:lstStyle/>
+          <a:p>
+            <a:pPr algn="ctr"/>
+            <a:endParaRPr lang="ko-KR" altLang="en-US"/>
+          </a:p>
+        </p:txBody>
+      </p:sp>
+      <p:sp>
+        <p:nvSpPr>
+          <p:cNvPr id="5" name="사각형: 둥근 모서리 4">
+            <a:extLst>
+              <a:ext uri="{FF2B5EF4-FFF2-40B4-BE49-F238E27FC236}">
+                <a16:creationId xmlns:a16="http://schemas.microsoft.com/office/drawing/2014/main" id="{D56FADD7-5C6E-5622-3756-5E55BF65CA12}"/>
+              </a:ext>
+            </a:extLst>
+          </p:cNvPr>
+          <p:cNvSpPr/>
+          <p:nvPr/>
+        </p:nvSpPr>
+        <p:spPr>
+          <a:xfrm>
+            <a:off x="582930" y="4328160"/>
+            <a:ext cx="11026140" cy="2362200"/>
+          </a:xfrm>
+          <a:custGeom>
+            <a:avLst/>
+            <a:gdLst>
+              <a:gd name="connsiteX0" fmla="*/ 0 w 11026140"/>
+              <a:gd name="connsiteY0" fmla="*/ 393708 h 2362200"/>
+              <a:gd name="connsiteX1" fmla="*/ 393708 w 11026140"/>
+              <a:gd name="connsiteY1" fmla="*/ 0 h 2362200"/>
+              <a:gd name="connsiteX2" fmla="*/ 1281064 w 11026140"/>
+              <a:gd name="connsiteY2" fmla="*/ 0 h 2362200"/>
+              <a:gd name="connsiteX3" fmla="*/ 1656484 w 11026140"/>
+              <a:gd name="connsiteY3" fmla="*/ 0 h 2362200"/>
+              <a:gd name="connsiteX4" fmla="*/ 2543840 w 11026140"/>
+              <a:gd name="connsiteY4" fmla="*/ 0 h 2362200"/>
+              <a:gd name="connsiteX5" fmla="*/ 2919260 w 11026140"/>
+              <a:gd name="connsiteY5" fmla="*/ 0 h 2362200"/>
+              <a:gd name="connsiteX6" fmla="*/ 3397067 w 11026140"/>
+              <a:gd name="connsiteY6" fmla="*/ 0 h 2362200"/>
+              <a:gd name="connsiteX7" fmla="*/ 3977261 w 11026140"/>
+              <a:gd name="connsiteY7" fmla="*/ 0 h 2362200"/>
+              <a:gd name="connsiteX8" fmla="*/ 4352681 w 11026140"/>
+              <a:gd name="connsiteY8" fmla="*/ 0 h 2362200"/>
+              <a:gd name="connsiteX9" fmla="*/ 4830488 w 11026140"/>
+              <a:gd name="connsiteY9" fmla="*/ 0 h 2362200"/>
+              <a:gd name="connsiteX10" fmla="*/ 5717844 w 11026140"/>
+              <a:gd name="connsiteY10" fmla="*/ 0 h 2362200"/>
+              <a:gd name="connsiteX11" fmla="*/ 6605201 w 11026140"/>
+              <a:gd name="connsiteY11" fmla="*/ 0 h 2362200"/>
+              <a:gd name="connsiteX12" fmla="*/ 7390169 w 11026140"/>
+              <a:gd name="connsiteY12" fmla="*/ 0 h 2362200"/>
+              <a:gd name="connsiteX13" fmla="*/ 8175138 w 11026140"/>
+              <a:gd name="connsiteY13" fmla="*/ 0 h 2362200"/>
+              <a:gd name="connsiteX14" fmla="*/ 8550558 w 11026140"/>
+              <a:gd name="connsiteY14" fmla="*/ 0 h 2362200"/>
+              <a:gd name="connsiteX15" fmla="*/ 9437914 w 11026140"/>
+              <a:gd name="connsiteY15" fmla="*/ 0 h 2362200"/>
+              <a:gd name="connsiteX16" fmla="*/ 10632432 w 11026140"/>
+              <a:gd name="connsiteY16" fmla="*/ 0 h 2362200"/>
+              <a:gd name="connsiteX17" fmla="*/ 11026140 w 11026140"/>
+              <a:gd name="connsiteY17" fmla="*/ 393708 h 2362200"/>
+              <a:gd name="connsiteX18" fmla="*/ 11026140 w 11026140"/>
+              <a:gd name="connsiteY18" fmla="*/ 871392 h 2362200"/>
+              <a:gd name="connsiteX19" fmla="*/ 11026140 w 11026140"/>
+              <a:gd name="connsiteY19" fmla="*/ 1380573 h 2362200"/>
+              <a:gd name="connsiteX20" fmla="*/ 11026140 w 11026140"/>
+              <a:gd name="connsiteY20" fmla="*/ 1968492 h 2362200"/>
+              <a:gd name="connsiteX21" fmla="*/ 10632432 w 11026140"/>
+              <a:gd name="connsiteY21" fmla="*/ 2362200 h 2362200"/>
+              <a:gd name="connsiteX22" fmla="*/ 9847463 w 11026140"/>
+              <a:gd name="connsiteY22" fmla="*/ 2362200 h 2362200"/>
+              <a:gd name="connsiteX23" fmla="*/ 8960107 w 11026140"/>
+              <a:gd name="connsiteY23" fmla="*/ 2362200 h 2362200"/>
+              <a:gd name="connsiteX24" fmla="*/ 8584687 w 11026140"/>
+              <a:gd name="connsiteY24" fmla="*/ 2362200 h 2362200"/>
+              <a:gd name="connsiteX25" fmla="*/ 8004493 w 11026140"/>
+              <a:gd name="connsiteY25" fmla="*/ 2362200 h 2362200"/>
+              <a:gd name="connsiteX26" fmla="*/ 7219524 w 11026140"/>
+              <a:gd name="connsiteY26" fmla="*/ 2362200 h 2362200"/>
+              <a:gd name="connsiteX27" fmla="*/ 6332168 w 11026140"/>
+              <a:gd name="connsiteY27" fmla="*/ 2362200 h 2362200"/>
+              <a:gd name="connsiteX28" fmla="*/ 5649586 w 11026140"/>
+              <a:gd name="connsiteY28" fmla="*/ 2362200 h 2362200"/>
+              <a:gd name="connsiteX29" fmla="*/ 5274166 w 11026140"/>
+              <a:gd name="connsiteY29" fmla="*/ 2362200 h 2362200"/>
+              <a:gd name="connsiteX30" fmla="*/ 4386810 w 11026140"/>
+              <a:gd name="connsiteY30" fmla="*/ 2362200 h 2362200"/>
+              <a:gd name="connsiteX31" fmla="*/ 3499454 w 11026140"/>
+              <a:gd name="connsiteY31" fmla="*/ 2362200 h 2362200"/>
+              <a:gd name="connsiteX32" fmla="*/ 2714485 w 11026140"/>
+              <a:gd name="connsiteY32" fmla="*/ 2362200 h 2362200"/>
+              <a:gd name="connsiteX33" fmla="*/ 2134291 w 11026140"/>
+              <a:gd name="connsiteY33" fmla="*/ 2362200 h 2362200"/>
+              <a:gd name="connsiteX34" fmla="*/ 1554097 w 11026140"/>
+              <a:gd name="connsiteY34" fmla="*/ 2362200 h 2362200"/>
+              <a:gd name="connsiteX35" fmla="*/ 973902 w 11026140"/>
+              <a:gd name="connsiteY35" fmla="*/ 2362200 h 2362200"/>
+              <a:gd name="connsiteX36" fmla="*/ 393708 w 11026140"/>
+              <a:gd name="connsiteY36" fmla="*/ 2362200 h 2362200"/>
+              <a:gd name="connsiteX37" fmla="*/ 0 w 11026140"/>
+              <a:gd name="connsiteY37" fmla="*/ 1968492 h 2362200"/>
+              <a:gd name="connsiteX38" fmla="*/ 0 w 11026140"/>
+              <a:gd name="connsiteY38" fmla="*/ 1475060 h 2362200"/>
+              <a:gd name="connsiteX39" fmla="*/ 0 w 11026140"/>
+              <a:gd name="connsiteY39" fmla="*/ 981627 h 2362200"/>
+              <a:gd name="connsiteX40" fmla="*/ 0 w 11026140"/>
+              <a:gd name="connsiteY40" fmla="*/ 393708 h 2362200"/>
+            </a:gdLst>
+            <a:ahLst/>
+            <a:cxnLst>
+              <a:cxn ang="0">
+                <a:pos x="connsiteX0" y="connsiteY0"/>
+              </a:cxn>
+              <a:cxn ang="0">
+                <a:pos x="connsiteX1" y="connsiteY1"/>
+              </a:cxn>
+              <a:cxn ang="0">
+                <a:pos x="connsiteX2" y="connsiteY2"/>
+              </a:cxn>
+              <a:cxn ang="0">
+                <a:pos x="connsiteX3" y="connsiteY3"/>
+              </a:cxn>
+              <a:cxn ang="0">
+                <a:pos x="connsiteX4" y="connsiteY4"/>
+              </a:cxn>
+              <a:cxn ang="0">
+                <a:pos x="connsiteX5" y="connsiteY5"/>
+              </a:cxn>
+              <a:cxn ang="0">
+                <a:pos x="connsiteX6" y="connsiteY6"/>
+              </a:cxn>
+              <a:cxn ang="0">
+                <a:pos x="connsiteX7" y="connsiteY7"/>
+              </a:cxn>
+              <a:cxn ang="0">
+                <a:pos x="connsiteX8" y="connsiteY8"/>
+              </a:cxn>
+              <a:cxn ang="0">
+                <a:pos x="connsiteX9" y="connsiteY9"/>
+              </a:cxn>
+              <a:cxn ang="0">
+                <a:pos x="connsiteX10" y="connsiteY10"/>
+              </a:cxn>
+              <a:cxn ang="0">
+                <a:pos x="connsiteX11" y="connsiteY11"/>
+              </a:cxn>
+              <a:cxn ang="0">
+                <a:pos x="connsiteX12" y="connsiteY12"/>
+              </a:cxn>
+              <a:cxn ang="0">
+                <a:pos x="connsiteX13" y="connsiteY13"/>
+              </a:cxn>
+              <a:cxn ang="0">
+                <a:pos x="connsiteX14" y="connsiteY14"/>
+              </a:cxn>
+              <a:cxn ang="0">
+                <a:pos x="connsiteX15" y="connsiteY15"/>
+              </a:cxn>
+              <a:cxn ang="0">
+                <a:pos x="connsiteX16" y="connsiteY16"/>
+              </a:cxn>
+              <a:cxn ang="0">
+                <a:pos x="connsiteX17" y="connsiteY17"/>
+              </a:cxn>
+              <a:cxn ang="0">
+                <a:pos x="connsiteX18" y="connsiteY18"/>
+              </a:cxn>
+              <a:cxn ang="0">
+                <a:pos x="connsiteX19" y="connsiteY19"/>
+              </a:cxn>
+              <a:cxn ang="0">
+                <a:pos x="connsiteX20" y="connsiteY20"/>
+              </a:cxn>
+              <a:cxn ang="0">
+                <a:pos x="connsiteX21" y="connsiteY21"/>
+              </a:cxn>
+              <a:cxn ang="0">
+                <a:pos x="connsiteX22" y="connsiteY22"/>
+              </a:cxn>
+              <a:cxn ang="0">
+                <a:pos x="connsiteX23" y="connsiteY23"/>
+              </a:cxn>
+              <a:cxn ang="0">
+                <a:pos x="connsiteX24" y="connsiteY24"/>
+              </a:cxn>
+              <a:cxn ang="0">
+                <a:pos x="connsiteX25" y="connsiteY25"/>
+              </a:cxn>
+              <a:cxn ang="0">
+                <a:pos x="connsiteX26" y="connsiteY26"/>
+              </a:cxn>
+              <a:cxn ang="0">
+                <a:pos x="connsiteX27" y="connsiteY27"/>
+              </a:cxn>
+              <a:cxn ang="0">
+                <a:pos x="connsiteX28" y="connsiteY28"/>
+              </a:cxn>
+              <a:cxn ang="0">
+                <a:pos x="connsiteX29" y="connsiteY29"/>
+              </a:cxn>
+              <a:cxn ang="0">
+                <a:pos x="connsiteX30" y="connsiteY30"/>
+              </a:cxn>
+              <a:cxn ang="0">
+                <a:pos x="connsiteX31" y="connsiteY31"/>
+              </a:cxn>
+              <a:cxn ang="0">
+                <a:pos x="connsiteX32" y="connsiteY32"/>
+              </a:cxn>
+              <a:cxn ang="0">
+                <a:pos x="connsiteX33" y="connsiteY33"/>
+              </a:cxn>
+              <a:cxn ang="0">
+                <a:pos x="connsiteX34" y="connsiteY34"/>
+              </a:cxn>
+              <a:cxn ang="0">
+                <a:pos x="connsiteX35" y="connsiteY35"/>
+              </a:cxn>
+              <a:cxn ang="0">
+                <a:pos x="connsiteX36" y="connsiteY36"/>
+              </a:cxn>
+              <a:cxn ang="0">
+                <a:pos x="connsiteX37" y="connsiteY37"/>
+              </a:cxn>
+              <a:cxn ang="0">
+                <a:pos x="connsiteX38" y="connsiteY38"/>
+              </a:cxn>
+              <a:cxn ang="0">
+                <a:pos x="connsiteX39" y="connsiteY39"/>
+              </a:cxn>
+              <a:cxn ang="0">
+                <a:pos x="connsiteX40" y="connsiteY40"/>
+              </a:cxn>
+            </a:cxnLst>
+            <a:rect l="l" t="t" r="r" b="b"/>
+            <a:pathLst>
+              <a:path w="11026140" h="2362200" fill="none" extrusionOk="0">
+                <a:moveTo>
+                  <a:pt x="0" y="393708"/>
+                </a:moveTo>
+                <a:cubicBezTo>
+                  <a:pt x="-8268" y="143837"/>
+                  <a:pt x="201156" y="16375"/>
+                  <a:pt x="393708" y="0"/>
+                </a:cubicBezTo>
+                <a:cubicBezTo>
+                  <a:pt x="633039" y="-18983"/>
+                  <a:pt x="937095" y="-524"/>
+                  <a:pt x="1281064" y="0"/>
+                </a:cubicBezTo>
+                <a:cubicBezTo>
+                  <a:pt x="1625033" y="524"/>
+                  <a:pt x="1488076" y="-4092"/>
+                  <a:pt x="1656484" y="0"/>
+                </a:cubicBezTo>
+                <a:cubicBezTo>
+                  <a:pt x="1824892" y="4092"/>
+                  <a:pt x="2124651" y="33546"/>
+                  <a:pt x="2543840" y="0"/>
+                </a:cubicBezTo>
+                <a:cubicBezTo>
+                  <a:pt x="2963029" y="-33546"/>
+                  <a:pt x="2753882" y="12448"/>
+                  <a:pt x="2919260" y="0"/>
+                </a:cubicBezTo>
+                <a:cubicBezTo>
+                  <a:pt x="3084638" y="-12448"/>
+                  <a:pt x="3248033" y="-9694"/>
+                  <a:pt x="3397067" y="0"/>
+                </a:cubicBezTo>
+                <a:cubicBezTo>
+                  <a:pt x="3546101" y="9694"/>
+                  <a:pt x="3794412" y="-23141"/>
+                  <a:pt x="3977261" y="0"/>
+                </a:cubicBezTo>
+                <a:cubicBezTo>
+                  <a:pt x="4160110" y="23141"/>
+                  <a:pt x="4236019" y="7166"/>
+                  <a:pt x="4352681" y="0"/>
+                </a:cubicBezTo>
+                <a:cubicBezTo>
+                  <a:pt x="4469343" y="-7166"/>
+                  <a:pt x="4673036" y="19644"/>
+                  <a:pt x="4830488" y="0"/>
+                </a:cubicBezTo>
+                <a:cubicBezTo>
+                  <a:pt x="4987940" y="-19644"/>
+                  <a:pt x="5288657" y="-25560"/>
+                  <a:pt x="5717844" y="0"/>
+                </a:cubicBezTo>
+                <a:cubicBezTo>
+                  <a:pt x="6147031" y="25560"/>
+                  <a:pt x="6215438" y="7208"/>
+                  <a:pt x="6605201" y="0"/>
+                </a:cubicBezTo>
+                <a:cubicBezTo>
+                  <a:pt x="6994964" y="-7208"/>
+                  <a:pt x="6998728" y="7893"/>
+                  <a:pt x="7390169" y="0"/>
+                </a:cubicBezTo>
+                <a:cubicBezTo>
+                  <a:pt x="7781610" y="-7893"/>
+                  <a:pt x="8018091" y="-31322"/>
+                  <a:pt x="8175138" y="0"/>
+                </a:cubicBezTo>
+                <a:cubicBezTo>
+                  <a:pt x="8332185" y="31322"/>
+                  <a:pt x="8394270" y="-10384"/>
+                  <a:pt x="8550558" y="0"/>
+                </a:cubicBezTo>
+                <a:cubicBezTo>
+                  <a:pt x="8706846" y="10384"/>
+                  <a:pt x="9160304" y="-10350"/>
+                  <a:pt x="9437914" y="0"/>
+                </a:cubicBezTo>
+                <a:cubicBezTo>
+                  <a:pt x="9715524" y="10350"/>
+                  <a:pt x="10134339" y="-29847"/>
+                  <a:pt x="10632432" y="0"/>
+                </a:cubicBezTo>
+                <a:cubicBezTo>
+                  <a:pt x="10875866" y="44591"/>
+                  <a:pt x="11049039" y="151625"/>
+                  <a:pt x="11026140" y="393708"/>
+                </a:cubicBezTo>
+                <a:cubicBezTo>
+                  <a:pt x="11046777" y="560693"/>
+                  <a:pt x="11032948" y="710341"/>
+                  <a:pt x="11026140" y="871392"/>
+                </a:cubicBezTo>
+                <a:cubicBezTo>
+                  <a:pt x="11019332" y="1032443"/>
+                  <a:pt x="11008797" y="1192106"/>
+                  <a:pt x="11026140" y="1380573"/>
+                </a:cubicBezTo>
+                <a:cubicBezTo>
+                  <a:pt x="11043483" y="1569040"/>
+                  <a:pt x="11005828" y="1768245"/>
+                  <a:pt x="11026140" y="1968492"/>
+                </a:cubicBezTo>
+                <a:cubicBezTo>
+                  <a:pt x="11041386" y="2229663"/>
+                  <a:pt x="10840180" y="2343628"/>
+                  <a:pt x="10632432" y="2362200"/>
+                </a:cubicBezTo>
+                <a:cubicBezTo>
+                  <a:pt x="10292747" y="2388133"/>
+                  <a:pt x="10100653" y="2363946"/>
+                  <a:pt x="9847463" y="2362200"/>
+                </a:cubicBezTo>
+                <a:cubicBezTo>
+                  <a:pt x="9594273" y="2360454"/>
+                  <a:pt x="9219175" y="2318789"/>
+                  <a:pt x="8960107" y="2362200"/>
+                </a:cubicBezTo>
+                <a:cubicBezTo>
+                  <a:pt x="8701039" y="2405611"/>
+                  <a:pt x="8680592" y="2350695"/>
+                  <a:pt x="8584687" y="2362200"/>
+                </a:cubicBezTo>
+                <a:cubicBezTo>
+                  <a:pt x="8488782" y="2373705"/>
+                  <a:pt x="8174554" y="2362876"/>
+                  <a:pt x="8004493" y="2362200"/>
+                </a:cubicBezTo>
+                <a:cubicBezTo>
+                  <a:pt x="7834432" y="2361524"/>
+                  <a:pt x="7533939" y="2385955"/>
+                  <a:pt x="7219524" y="2362200"/>
+                </a:cubicBezTo>
+                <a:cubicBezTo>
+                  <a:pt x="6905109" y="2338445"/>
+                  <a:pt x="6749699" y="2367492"/>
+                  <a:pt x="6332168" y="2362200"/>
+                </a:cubicBezTo>
+                <a:cubicBezTo>
+                  <a:pt x="5914637" y="2356908"/>
+                  <a:pt x="5913306" y="2350217"/>
+                  <a:pt x="5649586" y="2362200"/>
+                </a:cubicBezTo>
+                <a:cubicBezTo>
+                  <a:pt x="5385866" y="2374183"/>
+                  <a:pt x="5367353" y="2354817"/>
+                  <a:pt x="5274166" y="2362200"/>
+                </a:cubicBezTo>
+                <a:cubicBezTo>
+                  <a:pt x="5180979" y="2369583"/>
+                  <a:pt x="4645045" y="2362663"/>
+                  <a:pt x="4386810" y="2362200"/>
+                </a:cubicBezTo>
+                <a:cubicBezTo>
+                  <a:pt x="4128575" y="2361737"/>
+                  <a:pt x="3733277" y="2358926"/>
+                  <a:pt x="3499454" y="2362200"/>
+                </a:cubicBezTo>
+                <a:cubicBezTo>
+                  <a:pt x="3265631" y="2365474"/>
+                  <a:pt x="2971006" y="2390506"/>
+                  <a:pt x="2714485" y="2362200"/>
+                </a:cubicBezTo>
+                <a:cubicBezTo>
+                  <a:pt x="2457964" y="2333894"/>
+                  <a:pt x="2318526" y="2356983"/>
+                  <a:pt x="2134291" y="2362200"/>
+                </a:cubicBezTo>
+                <a:cubicBezTo>
+                  <a:pt x="1950056" y="2367417"/>
+                  <a:pt x="1770102" y="2378389"/>
+                  <a:pt x="1554097" y="2362200"/>
+                </a:cubicBezTo>
+                <a:cubicBezTo>
+                  <a:pt x="1338092" y="2346011"/>
+                  <a:pt x="1218204" y="2366574"/>
+                  <a:pt x="973902" y="2362200"/>
+                </a:cubicBezTo>
+                <a:cubicBezTo>
+                  <a:pt x="729600" y="2357826"/>
+                  <a:pt x="622062" y="2341453"/>
+                  <a:pt x="393708" y="2362200"/>
+                </a:cubicBezTo>
+                <a:cubicBezTo>
+                  <a:pt x="174111" y="2375269"/>
+                  <a:pt x="12700" y="2136724"/>
+                  <a:pt x="0" y="1968492"/>
+                </a:cubicBezTo>
+                <a:cubicBezTo>
+                  <a:pt x="21490" y="1740762"/>
+                  <a:pt x="-14537" y="1656916"/>
+                  <a:pt x="0" y="1475060"/>
+                </a:cubicBezTo>
+                <a:cubicBezTo>
+                  <a:pt x="14537" y="1293204"/>
+                  <a:pt x="-13643" y="1144680"/>
+                  <a:pt x="0" y="981627"/>
+                </a:cubicBezTo>
+                <a:cubicBezTo>
+                  <a:pt x="13643" y="818574"/>
+                  <a:pt x="15484" y="610610"/>
+                  <a:pt x="0" y="393708"/>
+                </a:cubicBezTo>
+                <a:close/>
+              </a:path>
+              <a:path w="11026140" h="2362200" stroke="0" extrusionOk="0">
+                <a:moveTo>
+                  <a:pt x="0" y="393708"/>
+                </a:moveTo>
+                <a:cubicBezTo>
+                  <a:pt x="-40606" y="167837"/>
+                  <a:pt x="122581" y="-6808"/>
+                  <a:pt x="393708" y="0"/>
+                </a:cubicBezTo>
+                <a:cubicBezTo>
+                  <a:pt x="666622" y="15745"/>
+                  <a:pt x="811319" y="37406"/>
+                  <a:pt x="1178677" y="0"/>
+                </a:cubicBezTo>
+                <a:cubicBezTo>
+                  <a:pt x="1546035" y="-37406"/>
+                  <a:pt x="1625017" y="-14338"/>
+                  <a:pt x="1758871" y="0"/>
+                </a:cubicBezTo>
+                <a:cubicBezTo>
+                  <a:pt x="1892725" y="14338"/>
+                  <a:pt x="1993905" y="-10034"/>
+                  <a:pt x="2134291" y="0"/>
+                </a:cubicBezTo>
+                <a:cubicBezTo>
+                  <a:pt x="2274677" y="10034"/>
+                  <a:pt x="2404176" y="-15809"/>
+                  <a:pt x="2612098" y="0"/>
+                </a:cubicBezTo>
+                <a:cubicBezTo>
+                  <a:pt x="2820020" y="15809"/>
+                  <a:pt x="2939245" y="-12178"/>
+                  <a:pt x="3192293" y="0"/>
+                </a:cubicBezTo>
+                <a:cubicBezTo>
+                  <a:pt x="3445342" y="12178"/>
+                  <a:pt x="3616846" y="25725"/>
+                  <a:pt x="3772487" y="0"/>
+                </a:cubicBezTo>
+                <a:cubicBezTo>
+                  <a:pt x="3928128" y="-25725"/>
+                  <a:pt x="4340806" y="-5479"/>
+                  <a:pt x="4659843" y="0"/>
+                </a:cubicBezTo>
+                <a:cubicBezTo>
+                  <a:pt x="4978880" y="5479"/>
+                  <a:pt x="4955846" y="-1880"/>
+                  <a:pt x="5240037" y="0"/>
+                </a:cubicBezTo>
+                <a:cubicBezTo>
+                  <a:pt x="5524228" y="1880"/>
+                  <a:pt x="5820028" y="43147"/>
+                  <a:pt x="6127393" y="0"/>
+                </a:cubicBezTo>
+                <a:cubicBezTo>
+                  <a:pt x="6434758" y="-43147"/>
+                  <a:pt x="6597152" y="-18146"/>
+                  <a:pt x="6912362" y="0"/>
+                </a:cubicBezTo>
+                <a:cubicBezTo>
+                  <a:pt x="7227572" y="18146"/>
+                  <a:pt x="7367261" y="-3464"/>
+                  <a:pt x="7697331" y="0"/>
+                </a:cubicBezTo>
+                <a:cubicBezTo>
+                  <a:pt x="8027401" y="3464"/>
+                  <a:pt x="7933828" y="-17437"/>
+                  <a:pt x="8072751" y="0"/>
+                </a:cubicBezTo>
+                <a:cubicBezTo>
+                  <a:pt x="8211674" y="17437"/>
+                  <a:pt x="8314490" y="-12660"/>
+                  <a:pt x="8448171" y="0"/>
+                </a:cubicBezTo>
+                <a:cubicBezTo>
+                  <a:pt x="8581852" y="12660"/>
+                  <a:pt x="8737754" y="-96"/>
+                  <a:pt x="8823591" y="0"/>
+                </a:cubicBezTo>
+                <a:cubicBezTo>
+                  <a:pt x="8909428" y="96"/>
+                  <a:pt x="9115346" y="-21317"/>
+                  <a:pt x="9403785" y="0"/>
+                </a:cubicBezTo>
+                <a:cubicBezTo>
+                  <a:pt x="9692224" y="21317"/>
+                  <a:pt x="9705324" y="4174"/>
+                  <a:pt x="9881592" y="0"/>
+                </a:cubicBezTo>
+                <a:cubicBezTo>
+                  <a:pt x="10057860" y="-4174"/>
+                  <a:pt x="10403749" y="-34232"/>
+                  <a:pt x="10632432" y="0"/>
+                </a:cubicBezTo>
+                <a:cubicBezTo>
+                  <a:pt x="10828892" y="-48984"/>
+                  <a:pt x="11024355" y="166314"/>
+                  <a:pt x="11026140" y="393708"/>
+                </a:cubicBezTo>
+                <a:cubicBezTo>
+                  <a:pt x="11013192" y="605530"/>
+                  <a:pt x="11014447" y="645613"/>
+                  <a:pt x="11026140" y="871392"/>
+                </a:cubicBezTo>
+                <a:cubicBezTo>
+                  <a:pt x="11037833" y="1097171"/>
+                  <a:pt x="11008871" y="1258072"/>
+                  <a:pt x="11026140" y="1412068"/>
+                </a:cubicBezTo>
+                <a:cubicBezTo>
+                  <a:pt x="11043409" y="1566064"/>
+                  <a:pt x="11004590" y="1724291"/>
+                  <a:pt x="11026140" y="1968492"/>
+                </a:cubicBezTo>
+                <a:cubicBezTo>
+                  <a:pt x="11032260" y="2194995"/>
+                  <a:pt x="10886705" y="2370050"/>
+                  <a:pt x="10632432" y="2362200"/>
+                </a:cubicBezTo>
+                <a:cubicBezTo>
+                  <a:pt x="10303103" y="2397149"/>
+                  <a:pt x="10100560" y="2382678"/>
+                  <a:pt x="9745076" y="2362200"/>
+                </a:cubicBezTo>
+                <a:cubicBezTo>
+                  <a:pt x="9389592" y="2341722"/>
+                  <a:pt x="9308884" y="2340521"/>
+                  <a:pt x="9164882" y="2362200"/>
+                </a:cubicBezTo>
+                <a:cubicBezTo>
+                  <a:pt x="9020880" y="2383879"/>
+                  <a:pt x="8864044" y="2365684"/>
+                  <a:pt x="8687074" y="2362200"/>
+                </a:cubicBezTo>
+                <a:cubicBezTo>
+                  <a:pt x="8510104" y="2358716"/>
+                  <a:pt x="8290150" y="2336065"/>
+                  <a:pt x="7902106" y="2362200"/>
+                </a:cubicBezTo>
+                <a:cubicBezTo>
+                  <a:pt x="7514062" y="2388335"/>
+                  <a:pt x="7576933" y="2378402"/>
+                  <a:pt x="7424298" y="2362200"/>
+                </a:cubicBezTo>
+                <a:cubicBezTo>
+                  <a:pt x="7271663" y="2345998"/>
+                  <a:pt x="6936850" y="2335010"/>
+                  <a:pt x="6741717" y="2362200"/>
+                </a:cubicBezTo>
+                <a:cubicBezTo>
+                  <a:pt x="6546584" y="2389390"/>
+                  <a:pt x="6299790" y="2360781"/>
+                  <a:pt x="6059135" y="2362200"/>
+                </a:cubicBezTo>
+                <a:cubicBezTo>
+                  <a:pt x="5818480" y="2363619"/>
+                  <a:pt x="5431913" y="2396266"/>
+                  <a:pt x="5274166" y="2362200"/>
+                </a:cubicBezTo>
+                <a:cubicBezTo>
+                  <a:pt x="5116419" y="2328134"/>
+                  <a:pt x="4670325" y="2378442"/>
+                  <a:pt x="4386810" y="2362200"/>
+                </a:cubicBezTo>
+                <a:cubicBezTo>
+                  <a:pt x="4103295" y="2345958"/>
+                  <a:pt x="4069663" y="2369583"/>
+                  <a:pt x="3909003" y="2362200"/>
+                </a:cubicBezTo>
+                <a:cubicBezTo>
+                  <a:pt x="3748343" y="2354817"/>
+                  <a:pt x="3375339" y="2389002"/>
+                  <a:pt x="3124034" y="2362200"/>
+                </a:cubicBezTo>
+                <a:cubicBezTo>
+                  <a:pt x="2872729" y="2335398"/>
+                  <a:pt x="2616406" y="2388129"/>
+                  <a:pt x="2339066" y="2362200"/>
+                </a:cubicBezTo>
+                <a:cubicBezTo>
+                  <a:pt x="2061726" y="2336271"/>
+                  <a:pt x="2145758" y="2353332"/>
+                  <a:pt x="1963646" y="2362200"/>
+                </a:cubicBezTo>
+                <a:cubicBezTo>
+                  <a:pt x="1781534" y="2371068"/>
+                  <a:pt x="1725366" y="2369523"/>
+                  <a:pt x="1588226" y="2362200"/>
+                </a:cubicBezTo>
+                <a:cubicBezTo>
+                  <a:pt x="1451086" y="2354877"/>
+                  <a:pt x="940570" y="2374617"/>
+                  <a:pt x="393708" y="2362200"/>
+                </a:cubicBezTo>
+                <a:cubicBezTo>
+                  <a:pt x="143125" y="2377895"/>
+                  <a:pt x="9198" y="2208136"/>
+                  <a:pt x="0" y="1968492"/>
+                </a:cubicBezTo>
+                <a:cubicBezTo>
+                  <a:pt x="8583" y="1740389"/>
+                  <a:pt x="-3256" y="1680232"/>
+                  <a:pt x="0" y="1412068"/>
+                </a:cubicBezTo>
+                <a:cubicBezTo>
+                  <a:pt x="3256" y="1143904"/>
+                  <a:pt x="-22357" y="1107167"/>
+                  <a:pt x="0" y="902888"/>
+                </a:cubicBezTo>
+                <a:cubicBezTo>
+                  <a:pt x="22357" y="698609"/>
+                  <a:pt x="5007" y="565243"/>
+                  <a:pt x="0" y="393708"/>
+                </a:cubicBezTo>
+                <a:close/>
+              </a:path>
+            </a:pathLst>
+          </a:custGeom>
+          <a:solidFill>
+            <a:schemeClr val="accent4">
+              <a:lumMod val="75000"/>
+            </a:schemeClr>
+          </a:solidFill>
+          <a:ln>
+            <a:solidFill>
+              <a:schemeClr val="bg1"/>
+            </a:solidFill>
+            <a:extLst>
+              <a:ext uri="{C807C97D-BFC1-408E-A445-0C87EB9F89A2}">
+                <ask:lineSketchStyleProps xmlns:ask="http://schemas.microsoft.com/office/drawing/2018/sketchyshapes" sd="786811735">
+                  <a:prstGeom prst="roundRect">
+                    <a:avLst/>
+                  </a:prstGeom>
+                  <ask:type>
+                    <ask:lineSketchFreehand/>
+                  </ask:type>
+                </ask:lineSketchStyleProps>
+              </a:ext>
+            </a:extLst>
+          </a:ln>
+        </p:spPr>
+        <p:style>
+          <a:lnRef idx="3">
+            <a:schemeClr val="lt1"/>
+          </a:lnRef>
+          <a:fillRef idx="1">
+            <a:schemeClr val="accent5"/>
+          </a:fillRef>
+          <a:effectRef idx="1">
+            <a:schemeClr val="accent5"/>
+          </a:effectRef>
+          <a:fontRef idx="minor">
+            <a:schemeClr val="lt1"/>
+          </a:fontRef>
+        </p:style>
+        <p:txBody>
+          <a:bodyPr rtlCol="0" anchor="ctr"/>
+          <a:lstStyle/>
+          <a:p>
+            <a:pPr algn="ctr"/>
+            <a:endParaRPr lang="ko-KR" altLang="en-US"/>
+          </a:p>
+        </p:txBody>
+      </p:sp>
+    </p:spTree>
+    <p:extLst>
+      <p:ext uri="{BB962C8B-B14F-4D97-AF65-F5344CB8AC3E}">
+        <p14:creationId xmlns:p14="http://schemas.microsoft.com/office/powerpoint/2010/main" val="3753869888"/>
+      </p:ext>
+    </p:extLst>
+  </p:cSld>
+  <p:clrMapOvr>
+    <a:masterClrMapping/>
+  </p:clrMapOvr>
+</p:sld>
+</file>
+
+<file path=ppt/slides/slide7.xml><?xml version="1.0" encoding="utf-8"?>
+<p:sld xmlns:a="http://schemas.openxmlformats.org/drawingml/2006/main" xmlns:r="http://schemas.openxmlformats.org/officeDocument/2006/relationships" xmlns:p="http://schemas.openxmlformats.org/presentationml/2006/main">
+  <p:cSld>
+    <p:spTree>
+      <p:nvGrpSpPr>
+        <p:cNvPr id="1" name=""/>
+        <p:cNvGrpSpPr/>
+        <p:nvPr/>
+      </p:nvGrpSpPr>
+      <p:grpSpPr>
+        <a:xfrm>
+          <a:off x="0" y="0"/>
+          <a:ext cx="0" cy="0"/>
+          <a:chOff x="0" y="0"/>
+          <a:chExt cx="0" cy="0"/>
+        </a:xfrm>
+      </p:grpSpPr>
+    </p:spTree>
+    <p:extLst>
+      <p:ext uri="{BB962C8B-B14F-4D97-AF65-F5344CB8AC3E}">
+        <p14:creationId xmlns:p14="http://schemas.microsoft.com/office/powerpoint/2010/main" val="1639445182"/>
+      </p:ext>
+    </p:extLst>
+  </p:cSld>
+  <p:clrMapOvr>
+    <a:masterClrMapping/>
+  </p:clrMapOvr>
+</p:sld>
+</file>
+
+<file path=ppt/slides/slide8.xml><?xml version="1.0" encoding="utf-8"?>
+<p:sld xmlns:a="http://schemas.openxmlformats.org/drawingml/2006/main" xmlns:r="http://schemas.openxmlformats.org/officeDocument/2006/relationships" xmlns:p="http://schemas.openxmlformats.org/presentationml/2006/main">
+  <p:cSld>
+    <p:spTree>
+      <p:nvGrpSpPr>
+        <p:cNvPr id="1" name=""/>
+        <p:cNvGrpSpPr/>
+        <p:nvPr/>
+      </p:nvGrpSpPr>
+      <p:grpSpPr>
+        <a:xfrm>
+          <a:off x="0" y="0"/>
+          <a:ext cx="0" cy="0"/>
+          <a:chOff x="0" y="0"/>
+          <a:chExt cx="0" cy="0"/>
+        </a:xfrm>
+      </p:grpSpPr>
+    </p:spTree>
+    <p:extLst>
+      <p:ext uri="{BB962C8B-B14F-4D97-AF65-F5344CB8AC3E}">
+        <p14:creationId xmlns:p14="http://schemas.microsoft.com/office/powerpoint/2010/main" val="60282362"/>
       </p:ext>
     </p:extLst>
   </p:cSld>
